--- a/조건부확률 임용고시 2012.pptx
+++ b/조건부확률 임용고시 2012.pptx
@@ -161,10 +161,9 @@
           </a:lstStyle>
           <a:p>
             <a:r>
-              <a:rPr lang="en-US" smtClean="0"/>
+              <a:rPr lang="en-US"/>
               <a:t>Click to edit Master title style</a:t>
             </a:r>
-            <a:endParaRPr lang="en-US"/>
           </a:p>
         </p:txBody>
       </p:sp>
@@ -226,10 +225,9 @@
           </a:lstStyle>
           <a:p>
             <a:r>
-              <a:rPr lang="en-US" smtClean="0"/>
+              <a:rPr lang="en-US"/>
               <a:t>Click to edit Master subtitle style</a:t>
             </a:r>
-            <a:endParaRPr lang="en-US"/>
           </a:p>
         </p:txBody>
       </p:sp>
@@ -250,7 +248,7 @@
           <a:p>
             <a:fld id="{5B3AD1D6-AE87-C841-B3FD-7C9F7FCAE5AE}" type="datetimeFigureOut">
               <a:rPr lang="en-US" smtClean="0"/>
-              <a:t>12/15/19</a:t>
+              <a:t>12/20/19</a:t>
             </a:fld>
             <a:endParaRPr lang="en-US"/>
           </a:p>
@@ -344,10 +342,9 @@
           <a:lstStyle/>
           <a:p>
             <a:r>
-              <a:rPr lang="en-US" smtClean="0"/>
+              <a:rPr lang="en-US"/>
               <a:t>Click to edit Master title style</a:t>
             </a:r>
-            <a:endParaRPr lang="en-US"/>
           </a:p>
         </p:txBody>
       </p:sp>
@@ -368,38 +365,37 @@
           <a:p>
             <a:pPr lvl="0"/>
             <a:r>
-              <a:rPr lang="en-US" smtClean="0"/>
+              <a:rPr lang="en-US"/>
               <a:t>Click to edit Master text styles</a:t>
             </a:r>
           </a:p>
           <a:p>
             <a:pPr lvl="1"/>
             <a:r>
-              <a:rPr lang="en-US" smtClean="0"/>
+              <a:rPr lang="en-US"/>
               <a:t>Second level</a:t>
             </a:r>
           </a:p>
           <a:p>
             <a:pPr lvl="2"/>
             <a:r>
-              <a:rPr lang="en-US" smtClean="0"/>
+              <a:rPr lang="en-US"/>
               <a:t>Third level</a:t>
             </a:r>
           </a:p>
           <a:p>
             <a:pPr lvl="3"/>
             <a:r>
-              <a:rPr lang="en-US" smtClean="0"/>
+              <a:rPr lang="en-US"/>
               <a:t>Fourth level</a:t>
             </a:r>
           </a:p>
           <a:p>
             <a:pPr lvl="4"/>
             <a:r>
-              <a:rPr lang="en-US" smtClean="0"/>
+              <a:rPr lang="en-US"/>
               <a:t>Fifth level</a:t>
             </a:r>
-            <a:endParaRPr lang="en-US"/>
           </a:p>
         </p:txBody>
       </p:sp>
@@ -420,7 +416,7 @@
           <a:p>
             <a:fld id="{5B3AD1D6-AE87-C841-B3FD-7C9F7FCAE5AE}" type="datetimeFigureOut">
               <a:rPr lang="en-US" smtClean="0"/>
-              <a:t>12/15/19</a:t>
+              <a:t>12/20/19</a:t>
             </a:fld>
             <a:endParaRPr lang="en-US"/>
           </a:p>
@@ -519,10 +515,9 @@
           <a:lstStyle/>
           <a:p>
             <a:r>
-              <a:rPr lang="en-US" smtClean="0"/>
+              <a:rPr lang="en-US"/>
               <a:t>Click to edit Master title style</a:t>
             </a:r>
-            <a:endParaRPr lang="en-US"/>
           </a:p>
         </p:txBody>
       </p:sp>
@@ -548,38 +543,37 @@
           <a:p>
             <a:pPr lvl="0"/>
             <a:r>
-              <a:rPr lang="en-US" smtClean="0"/>
+              <a:rPr lang="en-US"/>
               <a:t>Click to edit Master text styles</a:t>
             </a:r>
           </a:p>
           <a:p>
             <a:pPr lvl="1"/>
             <a:r>
-              <a:rPr lang="en-US" smtClean="0"/>
+              <a:rPr lang="en-US"/>
               <a:t>Second level</a:t>
             </a:r>
           </a:p>
           <a:p>
             <a:pPr lvl="2"/>
             <a:r>
-              <a:rPr lang="en-US" smtClean="0"/>
+              <a:rPr lang="en-US"/>
               <a:t>Third level</a:t>
             </a:r>
           </a:p>
           <a:p>
             <a:pPr lvl="3"/>
             <a:r>
-              <a:rPr lang="en-US" smtClean="0"/>
+              <a:rPr lang="en-US"/>
               <a:t>Fourth level</a:t>
             </a:r>
           </a:p>
           <a:p>
             <a:pPr lvl="4"/>
             <a:r>
-              <a:rPr lang="en-US" smtClean="0"/>
+              <a:rPr lang="en-US"/>
               <a:t>Fifth level</a:t>
             </a:r>
-            <a:endParaRPr lang="en-US"/>
           </a:p>
         </p:txBody>
       </p:sp>
@@ -600,7 +594,7 @@
           <a:p>
             <a:fld id="{5B3AD1D6-AE87-C841-B3FD-7C9F7FCAE5AE}" type="datetimeFigureOut">
               <a:rPr lang="en-US" smtClean="0"/>
-              <a:t>12/15/19</a:t>
+              <a:t>12/20/19</a:t>
             </a:fld>
             <a:endParaRPr lang="en-US"/>
           </a:p>
@@ -694,10 +688,9 @@
           <a:lstStyle/>
           <a:p>
             <a:r>
-              <a:rPr lang="en-US" smtClean="0"/>
+              <a:rPr lang="en-US"/>
               <a:t>Click to edit Master title style</a:t>
             </a:r>
-            <a:endParaRPr lang="en-US"/>
           </a:p>
         </p:txBody>
       </p:sp>
@@ -718,38 +711,37 @@
           <a:p>
             <a:pPr lvl="0"/>
             <a:r>
-              <a:rPr lang="en-US" smtClean="0"/>
+              <a:rPr lang="en-US"/>
               <a:t>Click to edit Master text styles</a:t>
             </a:r>
           </a:p>
           <a:p>
             <a:pPr lvl="1"/>
             <a:r>
-              <a:rPr lang="en-US" smtClean="0"/>
+              <a:rPr lang="en-US"/>
               <a:t>Second level</a:t>
             </a:r>
           </a:p>
           <a:p>
             <a:pPr lvl="2"/>
             <a:r>
-              <a:rPr lang="en-US" smtClean="0"/>
+              <a:rPr lang="en-US"/>
               <a:t>Third level</a:t>
             </a:r>
           </a:p>
           <a:p>
             <a:pPr lvl="3"/>
             <a:r>
-              <a:rPr lang="en-US" smtClean="0"/>
+              <a:rPr lang="en-US"/>
               <a:t>Fourth level</a:t>
             </a:r>
           </a:p>
           <a:p>
             <a:pPr lvl="4"/>
             <a:r>
-              <a:rPr lang="en-US" smtClean="0"/>
+              <a:rPr lang="en-US"/>
               <a:t>Fifth level</a:t>
             </a:r>
-            <a:endParaRPr lang="en-US"/>
           </a:p>
         </p:txBody>
       </p:sp>
@@ -770,7 +762,7 @@
           <a:p>
             <a:fld id="{5B3AD1D6-AE87-C841-B3FD-7C9F7FCAE5AE}" type="datetimeFigureOut">
               <a:rPr lang="en-US" smtClean="0"/>
-              <a:t>12/15/19</a:t>
+              <a:t>12/20/19</a:t>
             </a:fld>
             <a:endParaRPr lang="en-US"/>
           </a:p>
@@ -873,10 +865,9 @@
           </a:lstStyle>
           <a:p>
             <a:r>
-              <a:rPr lang="en-US" smtClean="0"/>
+              <a:rPr lang="en-US"/>
               <a:t>Click to edit Master title style</a:t>
             </a:r>
-            <a:endParaRPr lang="en-US"/>
           </a:p>
         </p:txBody>
       </p:sp>
@@ -993,7 +984,7 @@
           <a:p>
             <a:pPr lvl="0"/>
             <a:r>
-              <a:rPr lang="en-US" smtClean="0"/>
+              <a:rPr lang="en-US"/>
               <a:t>Click to edit Master text styles</a:t>
             </a:r>
           </a:p>
@@ -1016,7 +1007,7 @@
           <a:p>
             <a:fld id="{5B3AD1D6-AE87-C841-B3FD-7C9F7FCAE5AE}" type="datetimeFigureOut">
               <a:rPr lang="en-US" smtClean="0"/>
-              <a:t>12/15/19</a:t>
+              <a:t>12/20/19</a:t>
             </a:fld>
             <a:endParaRPr lang="en-US"/>
           </a:p>
@@ -1110,10 +1101,9 @@
           <a:lstStyle/>
           <a:p>
             <a:r>
-              <a:rPr lang="en-US" smtClean="0"/>
+              <a:rPr lang="en-US"/>
               <a:t>Click to edit Master title style</a:t>
             </a:r>
-            <a:endParaRPr lang="en-US"/>
           </a:p>
         </p:txBody>
       </p:sp>
@@ -1139,38 +1129,37 @@
           <a:p>
             <a:pPr lvl="0"/>
             <a:r>
-              <a:rPr lang="en-US" smtClean="0"/>
+              <a:rPr lang="en-US"/>
               <a:t>Click to edit Master text styles</a:t>
             </a:r>
           </a:p>
           <a:p>
             <a:pPr lvl="1"/>
             <a:r>
-              <a:rPr lang="en-US" smtClean="0"/>
+              <a:rPr lang="en-US"/>
               <a:t>Second level</a:t>
             </a:r>
           </a:p>
           <a:p>
             <a:pPr lvl="2"/>
             <a:r>
-              <a:rPr lang="en-US" smtClean="0"/>
+              <a:rPr lang="en-US"/>
               <a:t>Third level</a:t>
             </a:r>
           </a:p>
           <a:p>
             <a:pPr lvl="3"/>
             <a:r>
-              <a:rPr lang="en-US" smtClean="0"/>
+              <a:rPr lang="en-US"/>
               <a:t>Fourth level</a:t>
             </a:r>
           </a:p>
           <a:p>
             <a:pPr lvl="4"/>
             <a:r>
-              <a:rPr lang="en-US" smtClean="0"/>
+              <a:rPr lang="en-US"/>
               <a:t>Fifth level</a:t>
             </a:r>
-            <a:endParaRPr lang="en-US"/>
           </a:p>
         </p:txBody>
       </p:sp>
@@ -1196,38 +1185,37 @@
           <a:p>
             <a:pPr lvl="0"/>
             <a:r>
-              <a:rPr lang="en-US" smtClean="0"/>
+              <a:rPr lang="en-US"/>
               <a:t>Click to edit Master text styles</a:t>
             </a:r>
           </a:p>
           <a:p>
             <a:pPr lvl="1"/>
             <a:r>
-              <a:rPr lang="en-US" smtClean="0"/>
+              <a:rPr lang="en-US"/>
               <a:t>Second level</a:t>
             </a:r>
           </a:p>
           <a:p>
             <a:pPr lvl="2"/>
             <a:r>
-              <a:rPr lang="en-US" smtClean="0"/>
+              <a:rPr lang="en-US"/>
               <a:t>Third level</a:t>
             </a:r>
           </a:p>
           <a:p>
             <a:pPr lvl="3"/>
             <a:r>
-              <a:rPr lang="en-US" smtClean="0"/>
+              <a:rPr lang="en-US"/>
               <a:t>Fourth level</a:t>
             </a:r>
           </a:p>
           <a:p>
             <a:pPr lvl="4"/>
             <a:r>
-              <a:rPr lang="en-US" smtClean="0"/>
+              <a:rPr lang="en-US"/>
               <a:t>Fifth level</a:t>
             </a:r>
-            <a:endParaRPr lang="en-US"/>
           </a:p>
         </p:txBody>
       </p:sp>
@@ -1248,7 +1236,7 @@
           <a:p>
             <a:fld id="{5B3AD1D6-AE87-C841-B3FD-7C9F7FCAE5AE}" type="datetimeFigureOut">
               <a:rPr lang="en-US" smtClean="0"/>
-              <a:t>12/15/19</a:t>
+              <a:t>12/20/19</a:t>
             </a:fld>
             <a:endParaRPr lang="en-US"/>
           </a:p>
@@ -1347,10 +1335,9 @@
           <a:lstStyle/>
           <a:p>
             <a:r>
-              <a:rPr lang="en-US" smtClean="0"/>
+              <a:rPr lang="en-US"/>
               <a:t>Click to edit Master title style</a:t>
             </a:r>
-            <a:endParaRPr lang="en-US"/>
           </a:p>
         </p:txBody>
       </p:sp>
@@ -1413,7 +1400,7 @@
           <a:p>
             <a:pPr lvl="0"/>
             <a:r>
-              <a:rPr lang="en-US" smtClean="0"/>
+              <a:rPr lang="en-US"/>
               <a:t>Click to edit Master text styles</a:t>
             </a:r>
           </a:p>
@@ -1441,38 +1428,37 @@
           <a:p>
             <a:pPr lvl="0"/>
             <a:r>
-              <a:rPr lang="en-US" smtClean="0"/>
+              <a:rPr lang="en-US"/>
               <a:t>Click to edit Master text styles</a:t>
             </a:r>
           </a:p>
           <a:p>
             <a:pPr lvl="1"/>
             <a:r>
-              <a:rPr lang="en-US" smtClean="0"/>
+              <a:rPr lang="en-US"/>
               <a:t>Second level</a:t>
             </a:r>
           </a:p>
           <a:p>
             <a:pPr lvl="2"/>
             <a:r>
-              <a:rPr lang="en-US" smtClean="0"/>
+              <a:rPr lang="en-US"/>
               <a:t>Third level</a:t>
             </a:r>
           </a:p>
           <a:p>
             <a:pPr lvl="3"/>
             <a:r>
-              <a:rPr lang="en-US" smtClean="0"/>
+              <a:rPr lang="en-US"/>
               <a:t>Fourth level</a:t>
             </a:r>
           </a:p>
           <a:p>
             <a:pPr lvl="4"/>
             <a:r>
-              <a:rPr lang="en-US" smtClean="0"/>
+              <a:rPr lang="en-US"/>
               <a:t>Fifth level</a:t>
             </a:r>
-            <a:endParaRPr lang="en-US"/>
           </a:p>
         </p:txBody>
       </p:sp>
@@ -1535,7 +1521,7 @@
           <a:p>
             <a:pPr lvl="0"/>
             <a:r>
-              <a:rPr lang="en-US" smtClean="0"/>
+              <a:rPr lang="en-US"/>
               <a:t>Click to edit Master text styles</a:t>
             </a:r>
           </a:p>
@@ -1563,38 +1549,37 @@
           <a:p>
             <a:pPr lvl="0"/>
             <a:r>
-              <a:rPr lang="en-US" smtClean="0"/>
+              <a:rPr lang="en-US"/>
               <a:t>Click to edit Master text styles</a:t>
             </a:r>
           </a:p>
           <a:p>
             <a:pPr lvl="1"/>
             <a:r>
-              <a:rPr lang="en-US" smtClean="0"/>
+              <a:rPr lang="en-US"/>
               <a:t>Second level</a:t>
             </a:r>
           </a:p>
           <a:p>
             <a:pPr lvl="2"/>
             <a:r>
-              <a:rPr lang="en-US" smtClean="0"/>
+              <a:rPr lang="en-US"/>
               <a:t>Third level</a:t>
             </a:r>
           </a:p>
           <a:p>
             <a:pPr lvl="3"/>
             <a:r>
-              <a:rPr lang="en-US" smtClean="0"/>
+              <a:rPr lang="en-US"/>
               <a:t>Fourth level</a:t>
             </a:r>
           </a:p>
           <a:p>
             <a:pPr lvl="4"/>
             <a:r>
-              <a:rPr lang="en-US" smtClean="0"/>
+              <a:rPr lang="en-US"/>
               <a:t>Fifth level</a:t>
             </a:r>
-            <a:endParaRPr lang="en-US"/>
           </a:p>
         </p:txBody>
       </p:sp>
@@ -1615,7 +1600,7 @@
           <a:p>
             <a:fld id="{5B3AD1D6-AE87-C841-B3FD-7C9F7FCAE5AE}" type="datetimeFigureOut">
               <a:rPr lang="en-US" smtClean="0"/>
-              <a:t>12/15/19</a:t>
+              <a:t>12/20/19</a:t>
             </a:fld>
             <a:endParaRPr lang="en-US"/>
           </a:p>
@@ -1709,10 +1694,9 @@
           <a:lstStyle/>
           <a:p>
             <a:r>
-              <a:rPr lang="en-US" smtClean="0"/>
+              <a:rPr lang="en-US"/>
               <a:t>Click to edit Master title style</a:t>
             </a:r>
-            <a:endParaRPr lang="en-US"/>
           </a:p>
         </p:txBody>
       </p:sp>
@@ -1733,7 +1717,7 @@
           <a:p>
             <a:fld id="{5B3AD1D6-AE87-C841-B3FD-7C9F7FCAE5AE}" type="datetimeFigureOut">
               <a:rPr lang="en-US" smtClean="0"/>
-              <a:t>12/15/19</a:t>
+              <a:t>12/20/19</a:t>
             </a:fld>
             <a:endParaRPr lang="en-US"/>
           </a:p>
@@ -1828,7 +1812,7 @@
           <a:p>
             <a:fld id="{5B3AD1D6-AE87-C841-B3FD-7C9F7FCAE5AE}" type="datetimeFigureOut">
               <a:rPr lang="en-US" smtClean="0"/>
-              <a:t>12/15/19</a:t>
+              <a:t>12/20/19</a:t>
             </a:fld>
             <a:endParaRPr lang="en-US"/>
           </a:p>
@@ -1931,10 +1915,9 @@
           </a:lstStyle>
           <a:p>
             <a:r>
-              <a:rPr lang="en-US" smtClean="0"/>
+              <a:rPr lang="en-US"/>
               <a:t>Click to edit Master title style</a:t>
             </a:r>
-            <a:endParaRPr lang="en-US"/>
           </a:p>
         </p:txBody>
       </p:sp>
@@ -1988,38 +1971,37 @@
           <a:p>
             <a:pPr lvl="0"/>
             <a:r>
-              <a:rPr lang="en-US" smtClean="0"/>
+              <a:rPr lang="en-US"/>
               <a:t>Click to edit Master text styles</a:t>
             </a:r>
           </a:p>
           <a:p>
             <a:pPr lvl="1"/>
             <a:r>
-              <a:rPr lang="en-US" smtClean="0"/>
+              <a:rPr lang="en-US"/>
               <a:t>Second level</a:t>
             </a:r>
           </a:p>
           <a:p>
             <a:pPr lvl="2"/>
             <a:r>
-              <a:rPr lang="en-US" smtClean="0"/>
+              <a:rPr lang="en-US"/>
               <a:t>Third level</a:t>
             </a:r>
           </a:p>
           <a:p>
             <a:pPr lvl="3"/>
             <a:r>
-              <a:rPr lang="en-US" smtClean="0"/>
+              <a:rPr lang="en-US"/>
               <a:t>Fourth level</a:t>
             </a:r>
           </a:p>
           <a:p>
             <a:pPr lvl="4"/>
             <a:r>
-              <a:rPr lang="en-US" smtClean="0"/>
+              <a:rPr lang="en-US"/>
               <a:t>Fifth level</a:t>
             </a:r>
-            <a:endParaRPr lang="en-US"/>
           </a:p>
         </p:txBody>
       </p:sp>
@@ -2082,7 +2064,7 @@
           <a:p>
             <a:pPr lvl="0"/>
             <a:r>
-              <a:rPr lang="en-US" smtClean="0"/>
+              <a:rPr lang="en-US"/>
               <a:t>Click to edit Master text styles</a:t>
             </a:r>
           </a:p>
@@ -2105,7 +2087,7 @@
           <a:p>
             <a:fld id="{5B3AD1D6-AE87-C841-B3FD-7C9F7FCAE5AE}" type="datetimeFigureOut">
               <a:rPr lang="en-US" smtClean="0"/>
-              <a:t>12/15/19</a:t>
+              <a:t>12/20/19</a:t>
             </a:fld>
             <a:endParaRPr lang="en-US"/>
           </a:p>
@@ -2208,10 +2190,9 @@
           </a:lstStyle>
           <a:p>
             <a:r>
-              <a:rPr lang="en-US" smtClean="0"/>
+              <a:rPr lang="en-US"/>
               <a:t>Click to edit Master title style</a:t>
             </a:r>
-            <a:endParaRPr lang="en-US"/>
           </a:p>
         </p:txBody>
       </p:sp>
@@ -2335,7 +2316,7 @@
           <a:p>
             <a:pPr lvl="0"/>
             <a:r>
-              <a:rPr lang="en-US" smtClean="0"/>
+              <a:rPr lang="en-US"/>
               <a:t>Click to edit Master text styles</a:t>
             </a:r>
           </a:p>
@@ -2358,7 +2339,7 @@
           <a:p>
             <a:fld id="{5B3AD1D6-AE87-C841-B3FD-7C9F7FCAE5AE}" type="datetimeFigureOut">
               <a:rPr lang="en-US" smtClean="0"/>
-              <a:t>12/15/19</a:t>
+              <a:t>12/20/19</a:t>
             </a:fld>
             <a:endParaRPr lang="en-US"/>
           </a:p>
@@ -2467,10 +2448,9 @@
           <a:lstStyle/>
           <a:p>
             <a:r>
-              <a:rPr lang="en-US" smtClean="0"/>
+              <a:rPr lang="en-US"/>
               <a:t>Click to edit Master title style</a:t>
             </a:r>
-            <a:endParaRPr lang="en-US"/>
           </a:p>
         </p:txBody>
       </p:sp>
@@ -2501,38 +2481,37 @@
           <a:p>
             <a:pPr lvl="0"/>
             <a:r>
-              <a:rPr lang="en-US" smtClean="0"/>
+              <a:rPr lang="en-US"/>
               <a:t>Click to edit Master text styles</a:t>
             </a:r>
           </a:p>
           <a:p>
             <a:pPr lvl="1"/>
             <a:r>
-              <a:rPr lang="en-US" smtClean="0"/>
+              <a:rPr lang="en-US"/>
               <a:t>Second level</a:t>
             </a:r>
           </a:p>
           <a:p>
             <a:pPr lvl="2"/>
             <a:r>
-              <a:rPr lang="en-US" smtClean="0"/>
+              <a:rPr lang="en-US"/>
               <a:t>Third level</a:t>
             </a:r>
           </a:p>
           <a:p>
             <a:pPr lvl="3"/>
             <a:r>
-              <a:rPr lang="en-US" smtClean="0"/>
+              <a:rPr lang="en-US"/>
               <a:t>Fourth level</a:t>
             </a:r>
           </a:p>
           <a:p>
             <a:pPr lvl="4"/>
             <a:r>
-              <a:rPr lang="en-US" smtClean="0"/>
+              <a:rPr lang="en-US"/>
               <a:t>Fifth level</a:t>
             </a:r>
-            <a:endParaRPr lang="en-US"/>
           </a:p>
         </p:txBody>
       </p:sp>
@@ -2571,7 +2550,7 @@
           <a:p>
             <a:fld id="{5B3AD1D6-AE87-C841-B3FD-7C9F7FCAE5AE}" type="datetimeFigureOut">
               <a:rPr lang="en-US" smtClean="0"/>
-              <a:t>12/15/19</a:t>
+              <a:t>12/20/19</a:t>
             </a:fld>
             <a:endParaRPr lang="en-US"/>
           </a:p>
@@ -2998,29 +2977,6 @@
           </a:bodyPr>
           <a:lstStyle/>
           <a:p>
-            <a:r>
-              <a:rPr lang="en-US" sz="4000" dirty="0" smtClean="0">
-                <a:latin typeface="Arial Black" charset="0"/>
-                <a:ea typeface="Arial Black" charset="0"/>
-                <a:cs typeface="Arial Black" charset="0"/>
-              </a:rPr>
-              <a:t/>
-            </a:r>
-            <a:br>
-              <a:rPr lang="en-US" sz="4000" dirty="0" smtClean="0">
-                <a:latin typeface="Arial Black" charset="0"/>
-                <a:ea typeface="Arial Black" charset="0"/>
-                <a:cs typeface="Arial Black" charset="0"/>
-              </a:rPr>
-            </a:br>
-            <a:r>
-              <a:rPr lang="en-US" sz="4000" dirty="0">
-                <a:latin typeface="Arial Black" charset="0"/>
-                <a:ea typeface="Arial Black" charset="0"/>
-                <a:cs typeface="Arial Black" charset="0"/>
-              </a:rPr>
-              <a:t/>
-            </a:r>
             <a:br>
               <a:rPr lang="en-US" sz="4000" dirty="0">
                 <a:latin typeface="Arial Black" charset="0"/>
@@ -3028,29 +2984,6 @@
                 <a:cs typeface="Arial Black" charset="0"/>
               </a:rPr>
             </a:br>
-            <a:r>
-              <a:rPr lang="en-US" sz="4000" dirty="0" smtClean="0">
-                <a:latin typeface="Arial Black" charset="0"/>
-                <a:ea typeface="Arial Black" charset="0"/>
-                <a:cs typeface="Arial Black" charset="0"/>
-              </a:rPr>
-              <a:t/>
-            </a:r>
-            <a:br>
-              <a:rPr lang="en-US" sz="4000" dirty="0" smtClean="0">
-                <a:latin typeface="Arial Black" charset="0"/>
-                <a:ea typeface="Arial Black" charset="0"/>
-                <a:cs typeface="Arial Black" charset="0"/>
-              </a:rPr>
-            </a:br>
-            <a:r>
-              <a:rPr lang="en-US" sz="4000" dirty="0">
-                <a:latin typeface="Arial Black" charset="0"/>
-                <a:ea typeface="Arial Black" charset="0"/>
-                <a:cs typeface="Arial Black" charset="0"/>
-              </a:rPr>
-              <a:t/>
-            </a:r>
             <a:br>
               <a:rPr lang="en-US" sz="4000" dirty="0">
                 <a:latin typeface="Arial Black" charset="0"/>
@@ -3058,29 +2991,6 @@
                 <a:cs typeface="Arial Black" charset="0"/>
               </a:rPr>
             </a:br>
-            <a:r>
-              <a:rPr lang="en-US" sz="4000" dirty="0" smtClean="0">
-                <a:latin typeface="Arial Black" charset="0"/>
-                <a:ea typeface="Arial Black" charset="0"/>
-                <a:cs typeface="Arial Black" charset="0"/>
-              </a:rPr>
-              <a:t/>
-            </a:r>
-            <a:br>
-              <a:rPr lang="en-US" sz="4000" dirty="0" smtClean="0">
-                <a:latin typeface="Arial Black" charset="0"/>
-                <a:ea typeface="Arial Black" charset="0"/>
-                <a:cs typeface="Arial Black" charset="0"/>
-              </a:rPr>
-            </a:br>
-            <a:r>
-              <a:rPr lang="en-US" sz="4000" dirty="0">
-                <a:latin typeface="Arial Black" charset="0"/>
-                <a:ea typeface="Arial Black" charset="0"/>
-                <a:cs typeface="Arial Black" charset="0"/>
-              </a:rPr>
-              <a:t/>
-            </a:r>
             <a:br>
               <a:rPr lang="en-US" sz="4000" dirty="0">
                 <a:latin typeface="Arial Black" charset="0"/>
@@ -3088,29 +2998,6 @@
                 <a:cs typeface="Arial Black" charset="0"/>
               </a:rPr>
             </a:br>
-            <a:r>
-              <a:rPr lang="en-US" sz="4000" dirty="0" smtClean="0">
-                <a:latin typeface="Arial Black" charset="0"/>
-                <a:ea typeface="Arial Black" charset="0"/>
-                <a:cs typeface="Arial Black" charset="0"/>
-              </a:rPr>
-              <a:t/>
-            </a:r>
-            <a:br>
-              <a:rPr lang="en-US" sz="4000" dirty="0" smtClean="0">
-                <a:latin typeface="Arial Black" charset="0"/>
-                <a:ea typeface="Arial Black" charset="0"/>
-                <a:cs typeface="Arial Black" charset="0"/>
-              </a:rPr>
-            </a:br>
-            <a:r>
-              <a:rPr lang="en-US" sz="4000" dirty="0">
-                <a:latin typeface="Arial Black" charset="0"/>
-                <a:ea typeface="Arial Black" charset="0"/>
-                <a:cs typeface="Arial Black" charset="0"/>
-              </a:rPr>
-              <a:t/>
-            </a:r>
             <a:br>
               <a:rPr lang="en-US" sz="4000" dirty="0">
                 <a:latin typeface="Arial Black" charset="0"/>
@@ -3118,29 +3005,6 @@
                 <a:cs typeface="Arial Black" charset="0"/>
               </a:rPr>
             </a:br>
-            <a:r>
-              <a:rPr lang="en-US" sz="4000" dirty="0" smtClean="0">
-                <a:latin typeface="Arial Black" charset="0"/>
-                <a:ea typeface="Arial Black" charset="0"/>
-                <a:cs typeface="Arial Black" charset="0"/>
-              </a:rPr>
-              <a:t/>
-            </a:r>
-            <a:br>
-              <a:rPr lang="en-US" sz="4000" dirty="0" smtClean="0">
-                <a:latin typeface="Arial Black" charset="0"/>
-                <a:ea typeface="Arial Black" charset="0"/>
-                <a:cs typeface="Arial Black" charset="0"/>
-              </a:rPr>
-            </a:br>
-            <a:r>
-              <a:rPr lang="en-US" sz="4000" dirty="0">
-                <a:latin typeface="Arial Black" charset="0"/>
-                <a:ea typeface="Arial Black" charset="0"/>
-                <a:cs typeface="Arial Black" charset="0"/>
-              </a:rPr>
-              <a:t/>
-            </a:r>
             <a:br>
               <a:rPr lang="en-US" sz="4000" dirty="0">
                 <a:latin typeface="Arial Black" charset="0"/>
@@ -3148,23 +3012,50 @@
                 <a:cs typeface="Arial Black" charset="0"/>
               </a:rPr>
             </a:br>
-            <a:r>
-              <a:rPr lang="en-US" sz="4000" dirty="0" smtClean="0">
-                <a:latin typeface="Arial Black" charset="0"/>
-                <a:ea typeface="Arial Black" charset="0"/>
-                <a:cs typeface="Arial Black" charset="0"/>
-              </a:rPr>
-              <a:t/>
-            </a:r>
             <a:br>
-              <a:rPr lang="en-US" sz="4000" dirty="0" smtClean="0">
+              <a:rPr lang="en-US" sz="4000" dirty="0">
                 <a:latin typeface="Arial Black" charset="0"/>
                 <a:ea typeface="Arial Black" charset="0"/>
                 <a:cs typeface="Arial Black" charset="0"/>
               </a:rPr>
             </a:br>
-            <a:r>
-              <a:rPr lang="en-US" sz="6700" dirty="0" smtClean="0">
+            <a:br>
+              <a:rPr lang="en-US" sz="4000" dirty="0">
+                <a:latin typeface="Arial Black" charset="0"/>
+                <a:ea typeface="Arial Black" charset="0"/>
+                <a:cs typeface="Arial Black" charset="0"/>
+              </a:rPr>
+            </a:br>
+            <a:br>
+              <a:rPr lang="en-US" sz="4000" dirty="0">
+                <a:latin typeface="Arial Black" charset="0"/>
+                <a:ea typeface="Arial Black" charset="0"/>
+                <a:cs typeface="Arial Black" charset="0"/>
+              </a:rPr>
+            </a:br>
+            <a:br>
+              <a:rPr lang="en-US" sz="4000" dirty="0">
+                <a:latin typeface="Arial Black" charset="0"/>
+                <a:ea typeface="Arial Black" charset="0"/>
+                <a:cs typeface="Arial Black" charset="0"/>
+              </a:rPr>
+            </a:br>
+            <a:br>
+              <a:rPr lang="en-US" sz="4000" dirty="0">
+                <a:latin typeface="Arial Black" charset="0"/>
+                <a:ea typeface="Arial Black" charset="0"/>
+                <a:cs typeface="Arial Black" charset="0"/>
+              </a:rPr>
+            </a:br>
+            <a:br>
+              <a:rPr lang="en-US" sz="4000" dirty="0">
+                <a:latin typeface="Arial Black" charset="0"/>
+                <a:ea typeface="Arial Black" charset="0"/>
+                <a:cs typeface="Arial Black" charset="0"/>
+              </a:rPr>
+            </a:br>
+            <a:r>
+              <a:rPr lang="en-US" sz="6700" dirty="0">
                 <a:latin typeface="Arial Black" charset="0"/>
                 <a:ea typeface="Arial Black" charset="0"/>
                 <a:cs typeface="Arial Black" charset="0"/>
@@ -3172,14 +3063,14 @@
               <a:t>Problems</a:t>
             </a:r>
             <a:br>
-              <a:rPr lang="en-US" sz="6700" dirty="0" smtClean="0">
+              <a:rPr lang="en-US" sz="6700" dirty="0">
                 <a:latin typeface="Arial Black" charset="0"/>
                 <a:ea typeface="Arial Black" charset="0"/>
                 <a:cs typeface="Arial Black" charset="0"/>
               </a:rPr>
             </a:br>
             <a:r>
-              <a:rPr lang="en-US" sz="6700" dirty="0" smtClean="0">
+              <a:rPr lang="en-US" sz="6700" dirty="0">
                 <a:latin typeface="Arial Black" charset="0"/>
                 <a:ea typeface="Arial Black" charset="0"/>
                 <a:cs typeface="Arial Black" charset="0"/>
@@ -3187,14 +3078,14 @@
               <a:t>on</a:t>
             </a:r>
             <a:br>
-              <a:rPr lang="en-US" sz="6700" dirty="0" smtClean="0">
+              <a:rPr lang="en-US" sz="6700" dirty="0">
                 <a:latin typeface="Arial Black" charset="0"/>
                 <a:ea typeface="Arial Black" charset="0"/>
                 <a:cs typeface="Arial Black" charset="0"/>
               </a:rPr>
             </a:br>
             <a:r>
-              <a:rPr lang="en-US" sz="6700" dirty="0" smtClean="0">
+              <a:rPr lang="en-US" sz="6700" dirty="0">
                 <a:latin typeface="Arial Black" charset="0"/>
                 <a:ea typeface="Arial Black" charset="0"/>
                 <a:cs typeface="Arial Black" charset="0"/>
@@ -3202,22 +3093,22 @@
               <a:t>Conditional Probability</a:t>
             </a:r>
             <a:br>
-              <a:rPr lang="en-US" sz="6700" dirty="0" smtClean="0">
+              <a:rPr lang="en-US" sz="6700" dirty="0">
                 <a:latin typeface="Arial Black" charset="0"/>
                 <a:ea typeface="Arial Black" charset="0"/>
                 <a:cs typeface="Arial Black" charset="0"/>
               </a:rPr>
             </a:br>
             <a:r>
-              <a:rPr lang="en-US" sz="6700" dirty="0" smtClean="0">
+              <a:rPr lang="en-US" altLang="ko-KR" sz="6700" dirty="0">
                 <a:latin typeface="Arial Black" charset="0"/>
                 <a:ea typeface="Arial Black" charset="0"/>
                 <a:cs typeface="Arial Black" charset="0"/>
               </a:rPr>
-              <a:t/>
+              <a:t>2012</a:t>
             </a:r>
             <a:br>
-              <a:rPr lang="en-US" sz="6700" dirty="0" smtClean="0">
+              <a:rPr lang="en-US" sz="6700" dirty="0">
                 <a:latin typeface="Arial Black" charset="0"/>
                 <a:ea typeface="Arial Black" charset="0"/>
                 <a:cs typeface="Arial Black" charset="0"/>
@@ -3305,18 +3196,13 @@
           <a:lstStyle/>
           <a:p>
             <a:r>
-              <a:rPr lang="en-US" sz="4000" dirty="0" smtClean="0">
+              <a:rPr lang="en-US" sz="4000" dirty="0">
                 <a:latin typeface="Arial Black" charset="0"/>
                 <a:ea typeface="Arial Black" charset="0"/>
                 <a:cs typeface="Arial Black" charset="0"/>
               </a:rPr>
               <a:t>Reference</a:t>
             </a:r>
-            <a:endParaRPr lang="en-US" sz="4000" dirty="0">
-              <a:latin typeface="Arial Black" charset="0"/>
-              <a:ea typeface="Arial Black" charset="0"/>
-              <a:cs typeface="Arial Black" charset="0"/>
-            </a:endParaRPr>
           </a:p>
         </p:txBody>
       </p:sp>
@@ -3335,7 +3221,7 @@
           <a:bodyPr/>
           <a:lstStyle/>
           <a:p>
-            <a:endParaRPr lang="en-US" sz="2000" dirty="0" smtClean="0">
+            <a:endParaRPr lang="en-US" sz="2000" dirty="0">
               <a:latin typeface="Arial Black" charset="0"/>
               <a:ea typeface="Arial Black" charset="0"/>
               <a:cs typeface="Arial Black" charset="0"/>
@@ -3344,7 +3230,7 @@
           </a:p>
           <a:p>
             <a:r>
-              <a:rPr lang="en-US" sz="2000" dirty="0" smtClean="0">
+              <a:rPr lang="en-US" sz="2000" dirty="0">
                 <a:latin typeface="Arial Black" charset="0"/>
                 <a:ea typeface="Arial Black" charset="0"/>
                 <a:cs typeface="Arial Black" charset="0"/>
@@ -3352,14 +3238,14 @@
               </a:rPr>
               <a:t>Data</a:t>
             </a:r>
-            <a:endParaRPr lang="en-US" sz="2000" dirty="0" smtClean="0">
+            <a:endParaRPr lang="en-US" sz="2000" dirty="0">
               <a:latin typeface="Arial Black" charset="0"/>
               <a:ea typeface="Arial Black" charset="0"/>
               <a:cs typeface="Arial Black" charset="0"/>
             </a:endParaRPr>
           </a:p>
           <a:p>
-            <a:endParaRPr lang="en-US" sz="2000" dirty="0" smtClean="0">
+            <a:endParaRPr lang="en-US" sz="2000" dirty="0">
               <a:latin typeface="Arial Black" charset="0"/>
               <a:ea typeface="Arial Black" charset="0"/>
               <a:cs typeface="Arial Black" charset="0"/>
@@ -3367,7 +3253,7 @@
           </a:p>
           <a:p>
             <a:r>
-              <a:rPr lang="en-US" sz="2000" dirty="0" smtClean="0">
+              <a:rPr lang="en-US" sz="2000" dirty="0">
                 <a:latin typeface="Arial Black" charset="0"/>
                 <a:ea typeface="Arial Black" charset="0"/>
                 <a:cs typeface="Arial Black" charset="0"/>
@@ -3375,14 +3261,14 @@
               </a:rPr>
               <a:t>Youtube</a:t>
             </a:r>
-            <a:endParaRPr lang="en-US" sz="2000" dirty="0" smtClean="0">
+            <a:endParaRPr lang="en-US" sz="2000" dirty="0">
               <a:latin typeface="Arial Black" charset="0"/>
               <a:ea typeface="Arial Black" charset="0"/>
               <a:cs typeface="Arial Black" charset="0"/>
             </a:endParaRPr>
           </a:p>
           <a:p>
-            <a:endParaRPr lang="en-US" dirty="0" smtClean="0">
+            <a:endParaRPr lang="en-US" dirty="0">
               <a:latin typeface="Arial Black" charset="0"/>
               <a:ea typeface="Arial Black" charset="0"/>
               <a:cs typeface="Arial Black" charset="0"/>
@@ -3390,7 +3276,7 @@
           </a:p>
           <a:p>
             <a:r>
-              <a:rPr lang="en-US" sz="2000" dirty="0" smtClean="0">
+              <a:rPr lang="en-US" sz="2000" dirty="0">
                 <a:latin typeface="Arial Black" charset="0"/>
                 <a:ea typeface="Arial Black" charset="0"/>
                 <a:cs typeface="Arial Black" charset="0"/>
@@ -3398,7 +3284,7 @@
               </a:rPr>
               <a:t>Code</a:t>
             </a:r>
-            <a:endParaRPr lang="en-US" sz="2000" dirty="0" smtClean="0">
+            <a:endParaRPr lang="en-US" sz="2000" dirty="0">
               <a:latin typeface="Arial Black" charset="0"/>
               <a:ea typeface="Arial Black" charset="0"/>
               <a:cs typeface="Arial Black" charset="0"/>
@@ -3417,13 +3303,6 @@
   <p:clrMapOvr>
     <a:masterClrMapping/>
   </p:clrMapOvr>
-  <p:timing>
-    <p:tnLst>
-      <p:par>
-        <p:cTn id="1" dur="indefinite" restart="never" nodeType="tmRoot"/>
-      </p:par>
-    </p:tnLst>
-  </p:timing>
 </p:sld>
 </file>
 
@@ -3467,42 +3346,13 @@
           <a:lstStyle/>
           <a:p>
             <a:r>
-              <a:rPr lang="en-US" sz="4000" dirty="0" smtClean="0">
-                <a:latin typeface="Arial Black" charset="0"/>
-                <a:ea typeface="Arial Black" charset="0"/>
-                <a:cs typeface="Arial Black" charset="0"/>
-              </a:rPr>
-              <a:t>[</a:t>
-            </a:r>
-            <a:r>
-              <a:rPr lang="en-US" sz="4000" dirty="0" smtClean="0">
-                <a:latin typeface="Arial Black" charset="0"/>
-                <a:ea typeface="Arial Black" charset="0"/>
-                <a:cs typeface="Arial Black" charset="0"/>
-              </a:rPr>
-              <a:t>201</a:t>
-            </a:r>
-            <a:r>
               <a:rPr lang="en-US" sz="4000" dirty="0">
                 <a:latin typeface="Arial Black" charset="0"/>
                 <a:ea typeface="Arial Black" charset="0"/>
                 <a:cs typeface="Arial Black" charset="0"/>
               </a:rPr>
-              <a:t>2</a:t>
-            </a:r>
-            <a:r>
-              <a:rPr lang="en-US" sz="4000" dirty="0" smtClean="0">
-                <a:latin typeface="Arial Black" charset="0"/>
-                <a:ea typeface="Arial Black" charset="0"/>
-                <a:cs typeface="Arial Black" charset="0"/>
-              </a:rPr>
-              <a:t>]</a:t>
-            </a:r>
-            <a:endParaRPr lang="en-US" sz="4000" dirty="0">
-              <a:latin typeface="Arial Black" charset="0"/>
-              <a:ea typeface="Arial Black" charset="0"/>
-              <a:cs typeface="Arial Black" charset="0"/>
-            </a:endParaRPr>
+              <a:t>[2012]</a:t>
+            </a:r>
           </a:p>
         </p:txBody>
       </p:sp>
